--- a/materials/slides/3.2 敏捷测试方法及测试象限（象限总览和第一象限）.pptx
+++ b/materials/slides/3.2 敏捷测试方法及测试象限（象限总览和第一象限）.pptx
@@ -221,7 +221,7 @@
           <a:p>
             <a:fld id="{EC82124A-F363-4BD3-8BA5-C8EDB8A4673E}" type="datetimeFigureOut">
               <a:rPr lang="zh-CN" altLang="en-US" smtClean="0"/>
-              <a:t>2018/10/10</a:t>
+              <a:t>2019/10/8</a:t>
             </a:fld>
             <a:endParaRPr lang="zh-CN" altLang="en-US"/>
           </a:p>
@@ -712,7 +712,7 @@
           <a:p>
             <a:fld id="{C04CF4A6-17F9-4CD5-BCB8-44B65F331829}" type="datetimeFigureOut">
               <a:rPr lang="zh-CN" altLang="en-US" smtClean="0"/>
-              <a:t>2018/10/10</a:t>
+              <a:t>2019/10/8</a:t>
             </a:fld>
             <a:endParaRPr lang="zh-CN" altLang="en-US"/>
           </a:p>
@@ -1004,7 +1004,7 @@
           <a:p>
             <a:fld id="{C04CF4A6-17F9-4CD5-BCB8-44B65F331829}" type="datetimeFigureOut">
               <a:rPr lang="zh-CN" altLang="en-US" smtClean="0"/>
-              <a:t>2018/10/10</a:t>
+              <a:t>2019/10/8</a:t>
             </a:fld>
             <a:endParaRPr lang="zh-CN" altLang="en-US"/>
           </a:p>
@@ -1174,7 +1174,7 @@
           <a:p>
             <a:fld id="{C04CF4A6-17F9-4CD5-BCB8-44B65F331829}" type="datetimeFigureOut">
               <a:rPr lang="zh-CN" altLang="en-US" smtClean="0"/>
-              <a:t>2018/10/10</a:t>
+              <a:t>2019/10/8</a:t>
             </a:fld>
             <a:endParaRPr lang="zh-CN" altLang="en-US"/>
           </a:p>
@@ -1354,7 +1354,7 @@
           <a:p>
             <a:fld id="{C04CF4A6-17F9-4CD5-BCB8-44B65F331829}" type="datetimeFigureOut">
               <a:rPr lang="zh-CN" altLang="en-US" smtClean="0"/>
-              <a:t>2018/10/10</a:t>
+              <a:t>2019/10/8</a:t>
             </a:fld>
             <a:endParaRPr lang="zh-CN" altLang="en-US"/>
           </a:p>
@@ -1578,7 +1578,7 @@
           <a:p>
             <a:fld id="{C04CF4A6-17F9-4CD5-BCB8-44B65F331829}" type="datetimeFigureOut">
               <a:rPr lang="zh-CN" altLang="en-US" smtClean="0"/>
-              <a:t>2018/10/10</a:t>
+              <a:t>2019/10/8</a:t>
             </a:fld>
             <a:endParaRPr lang="zh-CN" altLang="en-US"/>
           </a:p>
@@ -1875,7 +1875,7 @@
           <a:p>
             <a:fld id="{C04CF4A6-17F9-4CD5-BCB8-44B65F331829}" type="datetimeFigureOut">
               <a:rPr lang="zh-CN" altLang="en-US" smtClean="0"/>
-              <a:t>2018/10/10</a:t>
+              <a:t>2019/10/8</a:t>
             </a:fld>
             <a:endParaRPr lang="zh-CN" altLang="en-US"/>
           </a:p>
@@ -2194,7 +2194,7 @@
           <a:p>
             <a:fld id="{C04CF4A6-17F9-4CD5-BCB8-44B65F331829}" type="datetimeFigureOut">
               <a:rPr lang="zh-CN" altLang="en-US" smtClean="0"/>
-              <a:t>2018/10/10</a:t>
+              <a:t>2019/10/8</a:t>
             </a:fld>
             <a:endParaRPr lang="zh-CN" altLang="en-US"/>
           </a:p>
@@ -2426,7 +2426,7 @@
           <a:p>
             <a:fld id="{C04CF4A6-17F9-4CD5-BCB8-44B65F331829}" type="datetimeFigureOut">
               <a:rPr lang="zh-CN" altLang="en-US" smtClean="0"/>
-              <a:t>2018/10/10</a:t>
+              <a:t>2019/10/8</a:t>
             </a:fld>
             <a:endParaRPr lang="zh-CN" altLang="en-US"/>
           </a:p>
@@ -2793,7 +2793,7 @@
           <a:p>
             <a:fld id="{C04CF4A6-17F9-4CD5-BCB8-44B65F331829}" type="datetimeFigureOut">
               <a:rPr lang="zh-CN" altLang="en-US" smtClean="0"/>
-              <a:t>2018/10/10</a:t>
+              <a:t>2019/10/8</a:t>
             </a:fld>
             <a:endParaRPr lang="zh-CN" altLang="en-US"/>
           </a:p>
@@ -2911,7 +2911,7 @@
           <a:p>
             <a:fld id="{C04CF4A6-17F9-4CD5-BCB8-44B65F331829}" type="datetimeFigureOut">
               <a:rPr lang="zh-CN" altLang="en-US" smtClean="0"/>
-              <a:t>2018/10/10</a:t>
+              <a:t>2019/10/8</a:t>
             </a:fld>
             <a:endParaRPr lang="zh-CN" altLang="en-US"/>
           </a:p>
@@ -3006,7 +3006,7 @@
           <a:p>
             <a:fld id="{C04CF4A6-17F9-4CD5-BCB8-44B65F331829}" type="datetimeFigureOut">
               <a:rPr lang="zh-CN" altLang="en-US" smtClean="0"/>
-              <a:t>2018/10/10</a:t>
+              <a:t>2019/10/8</a:t>
             </a:fld>
             <a:endParaRPr lang="zh-CN" altLang="en-US"/>
           </a:p>
@@ -3283,7 +3283,7 @@
           <a:p>
             <a:fld id="{C04CF4A6-17F9-4CD5-BCB8-44B65F331829}" type="datetimeFigureOut">
               <a:rPr lang="zh-CN" altLang="en-US" smtClean="0"/>
-              <a:t>2018/10/10</a:t>
+              <a:t>2019/10/8</a:t>
             </a:fld>
             <a:endParaRPr lang="zh-CN" altLang="en-US"/>
           </a:p>
@@ -3496,7 +3496,7 @@
           <a:p>
             <a:fld id="{C04CF4A6-17F9-4CD5-BCB8-44B65F331829}" type="datetimeFigureOut">
               <a:rPr lang="zh-CN" altLang="en-US" smtClean="0"/>
-              <a:t>2018/10/10</a:t>
+              <a:t>2019/10/8</a:t>
             </a:fld>
             <a:endParaRPr lang="zh-CN" altLang="en-US"/>
           </a:p>
@@ -3961,7 +3961,7 @@
             <a:pPr algn="r"/>
             <a:r>
               <a:rPr lang="en-US" altLang="zh-CN" dirty="0" smtClean="0"/>
-              <a:t>2</a:t>
+              <a:t>3</a:t>
             </a:r>
             <a:r>
               <a:rPr lang="en-US" altLang="zh-CN" sz="3600" dirty="0" smtClean="0"/>
@@ -4086,11 +4086,7 @@
             <a:pPr lvl="1"/>
             <a:r>
               <a:rPr lang="zh-CN" altLang="en-US" dirty="0" smtClean="0"/>
-              <a:t>所有</a:t>
-            </a:r>
-            <a:r>
-              <a:rPr lang="zh-CN" altLang="en-US" dirty="0" smtClean="0"/>
-              <a:t>发现的缺陷都已报告</a:t>
+              <a:t>所有发现的缺陷都已报告</a:t>
             </a:r>
             <a:endParaRPr lang="en-US" altLang="zh-CN" dirty="0" smtClean="0"/>
           </a:p>
@@ -5827,7 +5823,15 @@
           <a:p>
             <a:r>
               <a:rPr lang="zh-CN" altLang="en-US" dirty="0" smtClean="0"/>
-              <a:t>帮忙测试人员确保他们已经考虑了为了创造价值而需要的所有不同类型的测试</a:t>
+              <a:t>帮忙测试</a:t>
+            </a:r>
+            <a:r>
+              <a:rPr lang="zh-CN" altLang="en-US" dirty="0" smtClean="0"/>
+              <a:t>人员，确保</a:t>
+            </a:r>
+            <a:r>
+              <a:rPr lang="zh-CN" altLang="en-US" dirty="0" smtClean="0"/>
+              <a:t>他们已经考虑了为了创造价值而需要的所有不同类型的测试</a:t>
             </a:r>
             <a:endParaRPr lang="zh-CN" altLang="en-US" dirty="0"/>
           </a:p>
